--- a/RECURSOS-INVESTIGACION/PRESENTACION/PRESENTACION.pptx
+++ b/RECURSOS-INVESTIGACION/PRESENTACION/PRESENTACION.pptx
@@ -3104,13 +3104,13 @@
             <a:spLocks noGrp="1"/>
           </p:cNvSpPr>
           <p:nvPr>
-            <p:ph type="ctrTitle"/>
+            <p:ph type="title"/>
           </p:nvPr>
         </p:nvSpPr>
         <p:spPr>
           <a:xfrm>
-            <a:off x="685800" y="1597819"/>
-            <a:ext cx="7772400" cy="1102519"/>
+            <a:off x="722313" y="3305176"/>
+            <a:ext cx="7772400" cy="1021556"/>
           </a:xfrm>
         </p:spPr>
         <p:txBody>
@@ -3122,64 +3122,7 @@
             </a:pPr>
             <a:r>
               <a:rPr/>
-              <a:t>Habits</a:t>
-            </a:r>
-          </a:p>
-        </p:txBody>
-      </p:sp>
-      <p:sp>
-        <p:nvSpPr>
-          <p:cNvPr id="3" name="Subtitle 2"/>
-          <p:cNvSpPr>
-            <a:spLocks noGrp="1"/>
-          </p:cNvSpPr>
-          <p:nvPr>
-            <p:ph idx="1" type="subTitle"/>
-          </p:nvPr>
-        </p:nvSpPr>
-        <p:spPr>
-          <a:xfrm>
-            <a:off x="1371600" y="2914650"/>
-            <a:ext cx="6400800" cy="1314450"/>
-          </a:xfrm>
-        </p:spPr>
-        <p:txBody>
-          <a:bodyPr/>
-          <a:lstStyle/>
-          <a:p>
-            <a:pPr lvl="0" indent="0" marL="0">
-              <a:buNone/>
-            </a:pPr>
-            <a:br/>
-            <a:br/>
-            <a:r>
-              <a:rPr/>
-              <a:t>Luis</a:t>
-            </a:r>
-          </a:p>
-        </p:txBody>
-      </p:sp>
-      <p:sp>
-        <p:nvSpPr>
-          <p:cNvPr id="4" name="Date Placeholder 3"/>
-          <p:cNvSpPr>
-            <a:spLocks noGrp="1"/>
-          </p:cNvSpPr>
-          <p:nvPr>
-            <p:ph idx="10" sz="half" type="dt"/>
-          </p:nvPr>
-        </p:nvSpPr>
-        <p:spPr/>
-        <p:txBody>
-          <a:bodyPr/>
-          <a:lstStyle/>
-          <a:p>
-            <a:pPr lvl="0" indent="0" marL="0">
-              <a:buNone/>
-            </a:pPr>
-            <a:r>
-              <a:rPr/>
-              <a:t>March 22, 2005</a:t>
+              <a:t>Proyección de estados financieros por el método de redes neuronales artificiales aplicable al sector financiero de Bolivia</a:t>
             </a:r>
           </a:p>
         </p:txBody>
@@ -3231,7 +3174,7 @@
             </a:pPr>
             <a:r>
               <a:rPr/>
-              <a:t>In the morning</a:t>
+              <a:t>Introducción</a:t>
             </a:r>
           </a:p>
         </p:txBody>
@@ -3268,7 +3211,12 @@
             <p:ph type="title"/>
           </p:nvPr>
         </p:nvSpPr>
-        <p:spPr/>
+        <p:spPr>
+          <a:xfrm>
+            <a:off x="722313" y="3305176"/>
+            <a:ext cx="7772400" cy="1021556"/>
+          </a:xfrm>
+        </p:spPr>
         <p:txBody>
           <a:bodyPr/>
           <a:lstStyle/>
@@ -3278,37 +3226,7 @@
             </a:pPr>
             <a:r>
               <a:rPr/>
-              <a:t>Getting up</a:t>
-            </a:r>
-          </a:p>
-        </p:txBody>
-      </p:sp>
-      <p:sp>
-        <p:nvSpPr>
-          <p:cNvPr id="3" name="Content Placeholder 2"/>
-          <p:cNvSpPr>
-            <a:spLocks noGrp="1"/>
-          </p:cNvSpPr>
-          <p:nvPr>
-            <p:ph idx="1"/>
-          </p:nvPr>
-        </p:nvSpPr>
-        <p:spPr/>
-        <p:txBody>
-          <a:bodyPr/>
-          <a:lstStyle/>
-          <a:p>
-            <a:pPr lvl="0"/>
-            <a:r>
-              <a:rPr/>
-              <a:t>Turn off alarm</a:t>
-            </a:r>
-          </a:p>
-          <a:p>
-            <a:pPr lvl="0"/>
-            <a:r>
-              <a:rPr/>
-              <a:t>Get out of bed</a:t>
+              <a:t>Planteamiento y formulación de problema</a:t>
             </a:r>
           </a:p>
         </p:txBody>
@@ -3345,7 +3263,12 @@
             <p:ph type="title"/>
           </p:nvPr>
         </p:nvSpPr>
-        <p:spPr/>
+        <p:spPr>
+          <a:xfrm>
+            <a:off x="722313" y="3305176"/>
+            <a:ext cx="7772400" cy="1021556"/>
+          </a:xfrm>
+        </p:spPr>
         <p:txBody>
           <a:bodyPr/>
           <a:lstStyle/>
@@ -3355,37 +3278,7 @@
             </a:pPr>
             <a:r>
               <a:rPr/>
-              <a:t>Breakfast</a:t>
-            </a:r>
-          </a:p>
-        </p:txBody>
-      </p:sp>
-      <p:sp>
-        <p:nvSpPr>
-          <p:cNvPr id="3" name="Content Placeholder 2"/>
-          <p:cNvSpPr>
-            <a:spLocks noGrp="1"/>
-          </p:cNvSpPr>
-          <p:nvPr>
-            <p:ph idx="1"/>
-          </p:nvPr>
-        </p:nvSpPr>
-        <p:spPr/>
-        <p:txBody>
-          <a:bodyPr/>
-          <a:lstStyle/>
-          <a:p>
-            <a:pPr lvl="0"/>
-            <a:r>
-              <a:rPr/>
-              <a:t>Eat eggs</a:t>
-            </a:r>
-          </a:p>
-          <a:p>
-            <a:pPr lvl="0"/>
-            <a:r>
-              <a:rPr/>
-              <a:t>Drink coffee</a:t>
+              <a:t>Objetivos</a:t>
             </a:r>
           </a:p>
         </p:txBody>
@@ -3437,7 +3330,7 @@
             </a:pPr>
             <a:r>
               <a:rPr/>
-              <a:t>In the evening</a:t>
+              <a:t>Hipotesis</a:t>
             </a:r>
           </a:p>
         </p:txBody>
@@ -3474,7 +3367,12 @@
             <p:ph type="title"/>
           </p:nvPr>
         </p:nvSpPr>
-        <p:spPr/>
+        <p:spPr>
+          <a:xfrm>
+            <a:off x="722313" y="3305176"/>
+            <a:ext cx="7772400" cy="1021556"/>
+          </a:xfrm>
+        </p:spPr>
         <p:txBody>
           <a:bodyPr/>
           <a:lstStyle/>
@@ -3484,37 +3382,7 @@
             </a:pPr>
             <a:r>
               <a:rPr/>
-              <a:t>Dinner</a:t>
-            </a:r>
-          </a:p>
-        </p:txBody>
-      </p:sp>
-      <p:sp>
-        <p:nvSpPr>
-          <p:cNvPr id="3" name="Content Placeholder 2"/>
-          <p:cNvSpPr>
-            <a:spLocks noGrp="1"/>
-          </p:cNvSpPr>
-          <p:nvPr>
-            <p:ph idx="1"/>
-          </p:nvPr>
-        </p:nvSpPr>
-        <p:spPr/>
-        <p:txBody>
-          <a:bodyPr/>
-          <a:lstStyle/>
-          <a:p>
-            <a:pPr lvl="0"/>
-            <a:r>
-              <a:rPr/>
-              <a:t>Eat spaghetti</a:t>
-            </a:r>
-          </a:p>
-          <a:p>
-            <a:pPr lvl="0"/>
-            <a:r>
-              <a:rPr/>
-              <a:t>Drink wine</a:t>
+              <a:t>Antecedentes</a:t>
             </a:r>
           </a:p>
         </p:txBody>
@@ -3633,7 +3501,12 @@
             <p:ph type="title"/>
           </p:nvPr>
         </p:nvSpPr>
-        <p:spPr/>
+        <p:spPr>
+          <a:xfrm>
+            <a:off x="722313" y="3305176"/>
+            <a:ext cx="7772400" cy="1021556"/>
+          </a:xfrm>
+        </p:spPr>
         <p:txBody>
           <a:bodyPr/>
           <a:lstStyle/>
@@ -3643,37 +3516,7 @@
             </a:pPr>
             <a:r>
               <a:rPr/>
-              <a:t>Going to sleep</a:t>
-            </a:r>
-          </a:p>
-        </p:txBody>
-      </p:sp>
-      <p:sp>
-        <p:nvSpPr>
-          <p:cNvPr id="3" name="Content Placeholder 2"/>
-          <p:cNvSpPr>
-            <a:spLocks noGrp="1"/>
-          </p:cNvSpPr>
-          <p:nvPr>
-            <p:ph idx="1"/>
-          </p:nvPr>
-        </p:nvSpPr>
-        <p:spPr/>
-        <p:txBody>
-          <a:bodyPr/>
-          <a:lstStyle/>
-          <a:p>
-            <a:pPr lvl="0"/>
-            <a:r>
-              <a:rPr/>
-              <a:t>Get in bed</a:t>
-            </a:r>
-          </a:p>
-          <a:p>
-            <a:pPr lvl="0"/>
-            <a:r>
-              <a:rPr/>
-              <a:t>Count sheep</a:t>
+              <a:t>Conclusiones y recomendaciones</a:t>
             </a:r>
           </a:p>
         </p:txBody>
